--- a/docs/diagrams/dashboard.pptx
+++ b/docs/diagrams/dashboard.pptx
@@ -261,7 +261,7 @@
           <a:p>
             <a:fld id="{D5F4EE06-143D-4C2F-8831-1CDA21FFE47B}" type="datetimeFigureOut">
               <a:rPr lang="en-SG" smtClean="0"/>
-              <a:t>23/1/2019</a:t>
+              <a:t>22/2/19</a:t>
             </a:fld>
             <a:endParaRPr lang="en-SG"/>
           </a:p>
@@ -461,7 +461,7 @@
           <a:p>
             <a:fld id="{D5F4EE06-143D-4C2F-8831-1CDA21FFE47B}" type="datetimeFigureOut">
               <a:rPr lang="en-SG" smtClean="0"/>
-              <a:t>23/1/2019</a:t>
+              <a:t>22/2/19</a:t>
             </a:fld>
             <a:endParaRPr lang="en-SG"/>
           </a:p>
@@ -671,7 +671,7 @@
           <a:p>
             <a:fld id="{D5F4EE06-143D-4C2F-8831-1CDA21FFE47B}" type="datetimeFigureOut">
               <a:rPr lang="en-SG" smtClean="0"/>
-              <a:t>23/1/2019</a:t>
+              <a:t>22/2/19</a:t>
             </a:fld>
             <a:endParaRPr lang="en-SG"/>
           </a:p>
@@ -871,7 +871,7 @@
           <a:p>
             <a:fld id="{D5F4EE06-143D-4C2F-8831-1CDA21FFE47B}" type="datetimeFigureOut">
               <a:rPr lang="en-SG" smtClean="0"/>
-              <a:t>23/1/2019</a:t>
+              <a:t>22/2/19</a:t>
             </a:fld>
             <a:endParaRPr lang="en-SG"/>
           </a:p>
@@ -1147,7 +1147,7 @@
           <a:p>
             <a:fld id="{D5F4EE06-143D-4C2F-8831-1CDA21FFE47B}" type="datetimeFigureOut">
               <a:rPr lang="en-SG" smtClean="0"/>
-              <a:t>23/1/2019</a:t>
+              <a:t>22/2/19</a:t>
             </a:fld>
             <a:endParaRPr lang="en-SG"/>
           </a:p>
@@ -1415,7 +1415,7 @@
           <a:p>
             <a:fld id="{D5F4EE06-143D-4C2F-8831-1CDA21FFE47B}" type="datetimeFigureOut">
               <a:rPr lang="en-SG" smtClean="0"/>
-              <a:t>23/1/2019</a:t>
+              <a:t>22/2/19</a:t>
             </a:fld>
             <a:endParaRPr lang="en-SG"/>
           </a:p>
@@ -1830,7 +1830,7 @@
           <a:p>
             <a:fld id="{D5F4EE06-143D-4C2F-8831-1CDA21FFE47B}" type="datetimeFigureOut">
               <a:rPr lang="en-SG" smtClean="0"/>
-              <a:t>23/1/2019</a:t>
+              <a:t>22/2/19</a:t>
             </a:fld>
             <a:endParaRPr lang="en-SG"/>
           </a:p>
@@ -1972,7 +1972,7 @@
           <a:p>
             <a:fld id="{D5F4EE06-143D-4C2F-8831-1CDA21FFE47B}" type="datetimeFigureOut">
               <a:rPr lang="en-SG" smtClean="0"/>
-              <a:t>23/1/2019</a:t>
+              <a:t>22/2/19</a:t>
             </a:fld>
             <a:endParaRPr lang="en-SG"/>
           </a:p>
@@ -2085,7 +2085,7 @@
           <a:p>
             <a:fld id="{D5F4EE06-143D-4C2F-8831-1CDA21FFE47B}" type="datetimeFigureOut">
               <a:rPr lang="en-SG" smtClean="0"/>
-              <a:t>23/1/2019</a:t>
+              <a:t>22/2/19</a:t>
             </a:fld>
             <a:endParaRPr lang="en-SG"/>
           </a:p>
@@ -2398,7 +2398,7 @@
           <a:p>
             <a:fld id="{D5F4EE06-143D-4C2F-8831-1CDA21FFE47B}" type="datetimeFigureOut">
               <a:rPr lang="en-SG" smtClean="0"/>
-              <a:t>23/1/2019</a:t>
+              <a:t>22/2/19</a:t>
             </a:fld>
             <a:endParaRPr lang="en-SG"/>
           </a:p>
@@ -2687,7 +2687,7 @@
           <a:p>
             <a:fld id="{D5F4EE06-143D-4C2F-8831-1CDA21FFE47B}" type="datetimeFigureOut">
               <a:rPr lang="en-SG" smtClean="0"/>
-              <a:t>23/1/2019</a:t>
+              <a:t>22/2/19</a:t>
             </a:fld>
             <a:endParaRPr lang="en-SG"/>
           </a:p>
@@ -2930,7 +2930,7 @@
           <a:p>
             <a:fld id="{D5F4EE06-143D-4C2F-8831-1CDA21FFE47B}" type="datetimeFigureOut">
               <a:rPr lang="en-SG" smtClean="0"/>
-              <a:t>23/1/2019</a:t>
+              <a:t>22/2/19</a:t>
             </a:fld>
             <a:endParaRPr lang="en-SG"/>
           </a:p>
@@ -3349,10 +3349,10 @@
       </p:grpSpPr>
       <p:pic>
         <p:nvPicPr>
-          <p:cNvPr id="3" name="图片 2">
-            <a:extLst>
-              <a:ext uri="{FF2B5EF4-FFF2-40B4-BE49-F238E27FC236}">
-                <a16:creationId xmlns:a16="http://schemas.microsoft.com/office/drawing/2014/main" id="{078C2DC3-05AE-4DBC-A6D6-2BF0D2EFA39D}"/>
+          <p:cNvPr id="5" name="Picture 4">
+            <a:extLst>
+              <a:ext uri="{FF2B5EF4-FFF2-40B4-BE49-F238E27FC236}">
+                <a16:creationId xmlns:a16="http://schemas.microsoft.com/office/drawing/2014/main" id="{0D954123-975A-3A42-A7F9-E3AC583847B8}"/>
               </a:ext>
             </a:extLst>
           </p:cNvPr>
@@ -3375,8 +3375,8 @@
         </p:blipFill>
         <p:spPr>
           <a:xfrm>
-            <a:off x="1328690" y="1084298"/>
-            <a:ext cx="9534617" cy="4689403"/>
+            <a:off x="1305076" y="901373"/>
+            <a:ext cx="9487249" cy="4671748"/>
           </a:xfrm>
           <a:prstGeom prst="rect">
             <a:avLst/>
@@ -3406,7 +3406,7 @@
         <p:spPr>
           <a:xfrm>
             <a:off x="1064377" y="379679"/>
-            <a:ext cx="10063244" cy="704619"/>
+            <a:ext cx="9979368" cy="704619"/>
           </a:xfrm>
           <a:prstGeom prst="rect">
             <a:avLst/>
@@ -3427,7 +3427,7 @@
         </p:nvSpPr>
         <p:spPr>
           <a:xfrm>
-            <a:off x="1171853" y="1084298"/>
+            <a:off x="1080115" y="991630"/>
             <a:ext cx="5015884" cy="646331"/>
           </a:xfrm>
           <a:prstGeom prst="rect">
@@ -3443,11 +3443,11 @@
           <a:p>
             <a:r>
               <a:rPr lang="en-US" altLang="zh-CN" sz="3600" b="1" dirty="0"/>
-              <a:t>{</a:t>
+              <a:t>  {</a:t>
             </a:r>
             <a:r>
               <a:rPr lang="en-US" altLang="zh-CN" sz="3600" dirty="0"/>
-              <a:t>                                            </a:t>
+              <a:t>                                          </a:t>
             </a:r>
             <a:r>
               <a:rPr lang="en-US" altLang="zh-CN" sz="3600" b="1" dirty="0"/>
@@ -3522,15 +3522,15 @@
           <a:lstStyle/>
           <a:p>
             <a:r>
-              <a:rPr lang="en-US" altLang="zh-CN" sz="3600" b="1" dirty="0"/>
+              <a:rPr lang="en-US" altLang="zh-CN" sz="3600" b="1"/>
               <a:t>{</a:t>
             </a:r>
             <a:r>
-              <a:rPr lang="en-US" altLang="zh-CN" sz="3600" dirty="0"/>
-              <a:t>                                            </a:t>
-            </a:r>
-            <a:r>
-              <a:rPr lang="en-US" altLang="zh-CN" sz="3600" b="1" dirty="0"/>
+              <a:rPr lang="en-US" altLang="zh-CN" sz="3600"/>
+              <a:t>                                           </a:t>
+            </a:r>
+            <a:r>
+              <a:rPr lang="en-US" altLang="zh-CN" sz="3600" b="1"/>
               <a:t>}</a:t>
             </a:r>
             <a:endParaRPr lang="zh-CN" altLang="en-US" sz="3600" b="1" dirty="0"/>
@@ -3551,8 +3551,8 @@
         </p:nvSpPr>
         <p:spPr>
           <a:xfrm>
-            <a:off x="1608338" y="1932126"/>
-            <a:ext cx="1535836" cy="338554"/>
+            <a:off x="1385074" y="1932126"/>
+            <a:ext cx="1513234" cy="338554"/>
           </a:xfrm>
           <a:prstGeom prst="rect">
             <a:avLst/>
@@ -3670,8 +3670,8 @@
         </p:nvCxnSpPr>
         <p:spPr>
           <a:xfrm flipH="1" flipV="1">
-            <a:off x="3506679" y="4128408"/>
-            <a:ext cx="675981" cy="298808"/>
+            <a:off x="2898308" y="4188346"/>
+            <a:ext cx="623065" cy="249554"/>
           </a:xfrm>
           <a:prstGeom prst="straightConnector1">
             <a:avLst/>
@@ -3751,7 +3751,7 @@
         </p:nvCxnSpPr>
         <p:spPr>
           <a:xfrm flipH="1" flipV="1">
-            <a:off x="2752281" y="3747764"/>
+            <a:off x="2766975" y="3802472"/>
             <a:ext cx="754398" cy="95995"/>
           </a:xfrm>
           <a:prstGeom prst="straightConnector1">
@@ -3790,8 +3790,8 @@
         </p:nvSpPr>
         <p:spPr>
           <a:xfrm>
-            <a:off x="3423822" y="3665689"/>
-            <a:ext cx="2522736" cy="369332"/>
+            <a:off x="3472062" y="3713801"/>
+            <a:ext cx="3788273" cy="369332"/>
           </a:xfrm>
           <a:prstGeom prst="rect">
             <a:avLst/>
@@ -3908,9 +3908,9 @@
           <p:nvPr/>
         </p:nvCxnSpPr>
         <p:spPr>
-          <a:xfrm flipH="1" flipV="1">
-            <a:off x="10206463" y="1965638"/>
-            <a:ext cx="754398" cy="95995"/>
+          <a:xfrm flipH="1">
+            <a:off x="8740270" y="2146335"/>
+            <a:ext cx="743681" cy="1"/>
           </a:xfrm>
           <a:prstGeom prst="straightConnector1">
             <a:avLst/>
@@ -3948,7 +3948,7 @@
         </p:nvSpPr>
         <p:spPr>
           <a:xfrm>
-            <a:off x="10947545" y="1855779"/>
+            <a:off x="9483951" y="1977058"/>
             <a:ext cx="646691" cy="338554"/>
           </a:xfrm>
           <a:prstGeom prst="rect">
@@ -3965,6 +3965,83 @@
             <a:r>
               <a:rPr lang="en-US" altLang="zh-CN" sz="1600" dirty="0"/>
               <a:t>title</a:t>
+            </a:r>
+            <a:endParaRPr lang="zh-CN" altLang="en-US" sz="1600" dirty="0"/>
+          </a:p>
+        </p:txBody>
+      </p:sp>
+      <p:cxnSp>
+        <p:nvCxnSpPr>
+          <p:cNvPr id="22" name="直接箭头连接符 45">
+            <a:extLst>
+              <a:ext uri="{FF2B5EF4-FFF2-40B4-BE49-F238E27FC236}">
+                <a16:creationId xmlns:a16="http://schemas.microsoft.com/office/drawing/2014/main" id="{6277504A-AF5B-AE43-8282-3FC382F853CA}"/>
+              </a:ext>
+            </a:extLst>
+          </p:cNvPr>
+          <p:cNvCxnSpPr>
+            <a:cxnSpLocks/>
+          </p:cNvCxnSpPr>
+          <p:nvPr/>
+        </p:nvCxnSpPr>
+        <p:spPr>
+          <a:xfrm flipH="1">
+            <a:off x="8368429" y="1778237"/>
+            <a:ext cx="743681" cy="1"/>
+          </a:xfrm>
+          <a:prstGeom prst="straightConnector1">
+            <a:avLst/>
+          </a:prstGeom>
+          <a:ln w="28575">
+            <a:tailEnd type="triangle"/>
+          </a:ln>
+        </p:spPr>
+        <p:style>
+          <a:lnRef idx="1">
+            <a:schemeClr val="dk1"/>
+          </a:lnRef>
+          <a:fillRef idx="0">
+            <a:schemeClr val="dk1"/>
+          </a:fillRef>
+          <a:effectRef idx="0">
+            <a:schemeClr val="dk1"/>
+          </a:effectRef>
+          <a:fontRef idx="minor">
+            <a:schemeClr val="tx1"/>
+          </a:fontRef>
+        </p:style>
+      </p:cxnSp>
+      <p:sp>
+        <p:nvSpPr>
+          <p:cNvPr id="23" name="文本框 46">
+            <a:extLst>
+              <a:ext uri="{FF2B5EF4-FFF2-40B4-BE49-F238E27FC236}">
+                <a16:creationId xmlns:a16="http://schemas.microsoft.com/office/drawing/2014/main" id="{E9E7343E-077D-3B43-92A7-61FB56C09A47}"/>
+              </a:ext>
+            </a:extLst>
+          </p:cNvPr>
+          <p:cNvSpPr txBox="1"/>
+          <p:nvPr/>
+        </p:nvSpPr>
+        <p:spPr>
+          <a:xfrm>
+            <a:off x="9112110" y="1593572"/>
+            <a:ext cx="1111828" cy="338554"/>
+          </a:xfrm>
+          <a:prstGeom prst="rect">
+            <a:avLst/>
+          </a:prstGeom>
+          <a:noFill/>
+        </p:spPr>
+        <p:txBody>
+          <a:bodyPr wrap="square" rtlCol="0">
+            <a:spAutoFit/>
+          </a:bodyPr>
+          <a:lstStyle/>
+          <a:p>
+            <a:r>
+              <a:rPr lang="en-US" altLang="zh-CN" sz="1600" dirty="0"/>
+              <a:t>glob filter</a:t>
             </a:r>
             <a:endParaRPr lang="zh-CN" altLang="en-US" sz="1600" dirty="0"/>
           </a:p>
